--- a/IETF 2020/IETF108-IPWAVE-Hackathon-CNP-Protocol.pptx
+++ b/IETF 2020/IETF108-IPWAVE-Hackathon-CNP-Protocol.pptx
@@ -227,7 +227,7 @@
             <a:fld id="{08522D5D-C7B9-41BD-9B8A-2C734D148E3A}" type="datetimeFigureOut">
               <a:rPr lang="ko-KR" altLang="en-US" smtClean="0"/>
               <a:pPr/>
-              <a:t>2020-07-15</a:t>
+              <a:t>2020-07-24</a:t>
             </a:fld>
             <a:endParaRPr lang="ko-KR" altLang="en-US"/>
           </a:p>
@@ -394,7 +394,7 @@
             <a:fld id="{4DD0E51E-C2D0-47C2-8769-85E4113626E3}" type="datetimeFigureOut">
               <a:rPr lang="ko-KR" altLang="en-US" smtClean="0"/>
               <a:pPr/>
-              <a:t>2020-07-15</a:t>
+              <a:t>2020-07-24</a:t>
             </a:fld>
             <a:endParaRPr lang="ko-KR" altLang="en-US"/>
           </a:p>
@@ -5490,7 +5490,7 @@
                 <a:ea typeface="HY견고딕" panose="02030600000101010101" pitchFamily="18" charset="-127"/>
                 <a:cs typeface="Arial" pitchFamily="34" charset="0"/>
               </a:rPr>
-              <a:t>20, </a:t>
+              <a:t>24, </a:t>
             </a:r>
             <a:r>
               <a:rPr lang="en-US" altLang="ko-KR" sz="2000" b="1" spc="-150" dirty="0" smtClean="0">
@@ -5806,7 +5806,7 @@
         <p:spPr>
           <a:xfrm>
             <a:off x="107504" y="2657743"/>
-            <a:ext cx="3888432" cy="1815882"/>
+            <a:ext cx="3888432" cy="1384995"/>
           </a:xfrm>
           <a:prstGeom prst="rect">
             <a:avLst/>
@@ -5840,45 +5840,55 @@
               <a:buChar char="•"/>
             </a:pPr>
             <a:r>
-              <a:rPr lang="en-US" altLang="zh-CN" sz="2800" dirty="0">
+              <a:rPr lang="en-US" altLang="zh-CN" sz="2800" dirty="0" smtClean="0">
                 <a:solidFill>
                   <a:schemeClr val="dk1"/>
                 </a:solidFill>
                 <a:latin typeface="Times New Roman" panose="02020603050405020304" pitchFamily="18" charset="0"/>
                 <a:cs typeface="Times New Roman" panose="02020603050405020304" pitchFamily="18" charset="0"/>
               </a:rPr>
-              <a:t>Some are outside the coverage of RSUs.</a:t>
-            </a:r>
+              <a:t>Driving through the road segment</a:t>
+            </a:r>
+            <a:endParaRPr lang="en-US" altLang="zh-CN" sz="2800" dirty="0">
+              <a:solidFill>
+                <a:schemeClr val="dk1"/>
+              </a:solidFill>
+              <a:latin typeface="Times New Roman" panose="02020603050405020304" pitchFamily="18" charset="0"/>
+              <a:cs typeface="Times New Roman" panose="02020603050405020304" pitchFamily="18" charset="0"/>
+            </a:endParaRPr>
           </a:p>
         </p:txBody>
       </p:sp>
       <p:pic>
         <p:nvPicPr>
-          <p:cNvPr id="5" name="图片 4">
-            <a:extLst>
-              <a:ext uri="{FF2B5EF4-FFF2-40B4-BE49-F238E27FC236}">
-                <a16:creationId xmlns:a16="http://schemas.microsoft.com/office/drawing/2014/main" xmlns="" id="{24F1D715-7585-4ADE-8820-5D7879E69961}"/>
-              </a:ext>
-            </a:extLst>
-          </p:cNvPr>
+          <p:cNvPr id="1026" name="Picture 2"/>
           <p:cNvPicPr>
-            <a:picLocks noChangeAspect="1"/>
+            <a:picLocks noChangeAspect="1" noChangeArrowheads="1"/>
           </p:cNvPicPr>
           <p:nvPr/>
         </p:nvPicPr>
-        <p:blipFill rotWithShape="1">
+        <p:blipFill>
           <a:blip r:embed="rId3" cstate="print"/>
-          <a:srcRect t="3990"/>
-          <a:stretch/>
+          <a:srcRect/>
+          <a:stretch>
+            <a:fillRect/>
+          </a:stretch>
         </p:blipFill>
-        <p:spPr>
+        <p:spPr bwMode="auto">
           <a:xfrm>
-            <a:off x="3707904" y="2657743"/>
-            <a:ext cx="5141394" cy="3575422"/>
+            <a:off x="3921008" y="2636912"/>
+            <a:ext cx="5222992" cy="3509739"/>
           </a:xfrm>
           <a:prstGeom prst="rect">
             <a:avLst/>
           </a:prstGeom>
+          <a:noFill/>
+          <a:ln w="9525">
+            <a:noFill/>
+            <a:miter lim="800000"/>
+            <a:headEnd/>
+            <a:tailEnd/>
+          </a:ln>
         </p:spPr>
       </p:pic>
     </p:spTree>
@@ -7963,31 +7973,17 @@
                 <a:latin typeface="Arial" panose="020B0604020202020204" pitchFamily="34" charset="0"/>
                 <a:cs typeface="Arial" panose="020B0604020202020204" pitchFamily="34" charset="0"/>
               </a:rPr>
-              <a:t>CNP </a:t>
-            </a:r>
+              <a:t>CNP Protocol for IP-Based Vehicular Network Motivation </a:t>
+            </a:r>
+          </a:p>
+          <a:p>
+            <a:pPr lvl="1"/>
             <a:r>
               <a:rPr lang="en-US" altLang="ko-KR" dirty="0" smtClean="0">
                 <a:latin typeface="Arial" panose="020B0604020202020204" pitchFamily="34" charset="0"/>
                 <a:cs typeface="Arial" panose="020B0604020202020204" pitchFamily="34" charset="0"/>
               </a:rPr>
-              <a:t>Protocol for IP-Based Vehicular Network Motivation </a:t>
-            </a:r>
-          </a:p>
-          <a:p>
-            <a:pPr lvl="1"/>
-            <a:r>
-              <a:rPr lang="en-US" altLang="ko-KR" dirty="0" smtClean="0">
-                <a:latin typeface="Arial" panose="020B0604020202020204" pitchFamily="34" charset="0"/>
-                <a:cs typeface="Arial" panose="020B0604020202020204" pitchFamily="34" charset="0"/>
-              </a:rPr>
-              <a:t>Use case of IPWAVE Problem Statement Document [</a:t>
-            </a:r>
-            <a:r>
-              <a:rPr lang="en-US" altLang="ko-KR" dirty="0" smtClean="0">
-                <a:latin typeface="Arial" panose="020B0604020202020204" pitchFamily="34" charset="0"/>
-                <a:cs typeface="Arial" panose="020B0604020202020204" pitchFamily="34" charset="0"/>
-              </a:rPr>
-              <a:t>draft-ietf-ipwave-vehicular-networking-16]</a:t>
+              <a:t>Use case of IPWAVE Problem Statement Document [draft-ietf-ipwave-vehicular-networking-16]</a:t>
             </a:r>
           </a:p>
           <a:p>
@@ -8045,19 +8041,8 @@
                 <a:latin typeface="Arial" panose="020B0604020202020204" pitchFamily="34" charset="0"/>
                 <a:cs typeface="Arial" panose="020B0604020202020204" pitchFamily="34" charset="0"/>
               </a:rPr>
-              <a:t>Emergency context: Emergency Context Message (ECM</a:t>
-            </a:r>
-            <a:r>
-              <a:rPr lang="en-US" altLang="ko-KR" dirty="0" smtClean="0">
-                <a:latin typeface="Arial" panose="020B0604020202020204" pitchFamily="34" charset="0"/>
-                <a:cs typeface="Arial" panose="020B0604020202020204" pitchFamily="34" charset="0"/>
-              </a:rPr>
-              <a:t>)</a:t>
-            </a:r>
-            <a:endParaRPr lang="en-US" altLang="ko-KR" dirty="0" smtClean="0">
-              <a:latin typeface="Arial" panose="020B0604020202020204" pitchFamily="34" charset="0"/>
-              <a:cs typeface="Arial" panose="020B0604020202020204" pitchFamily="34" charset="0"/>
-            </a:endParaRPr>
+              <a:t>Emergency context: Emergency Context Message (ECM)</a:t>
+            </a:r>
           </a:p>
         </p:txBody>
       </p:sp>
@@ -8229,7 +8214,7 @@
             </a:br>
             <a:r>
               <a:rPr lang="en-US" altLang="ko-KR" sz="2200" dirty="0" smtClean="0"/>
-              <a:t>Context aware Messages (CAM)</a:t>
+              <a:t>Cooperative Context  Messages (CCM)</a:t>
             </a:r>
           </a:p>
           <a:p>
@@ -8316,7 +8301,7 @@
           <a:p>
             <a:r>
               <a:rPr lang="en-US" dirty="0" smtClean="0"/>
-              <a:t>CAM</a:t>
+              <a:t>CCM</a:t>
             </a:r>
             <a:endParaRPr lang="en-US" dirty="0"/>
           </a:p>
@@ -11355,13 +11340,7 @@
               <a:rPr lang="en-US" dirty="0" smtClean="0">
                 <a:cs typeface="Arial" panose="020B0604020202020204" pitchFamily="34" charset="0"/>
               </a:rPr>
-              <a:t>If a vehicle has an ECM and a CCM to send, it SHOULD transmit the ECM earlier than the </a:t>
-            </a:r>
-            <a:r>
-              <a:rPr lang="en-US" dirty="0" smtClean="0">
-                <a:cs typeface="Arial" panose="020B0604020202020204" pitchFamily="34" charset="0"/>
-              </a:rPr>
-              <a:t>CCM</a:t>
+              <a:t>If a vehicle has an ECM and a CCM to send, it SHOULD transmit the ECM earlier than the CCM</a:t>
             </a:r>
             <a:endParaRPr lang="en-US" altLang="ko-KR" dirty="0" smtClean="0">
               <a:cs typeface="Arial" panose="020B0604020202020204" pitchFamily="34" charset="0"/>
@@ -11554,14 +11533,7 @@
                 <a:latin typeface="Arial" panose="020B0604020202020204" pitchFamily="34" charset="0"/>
                 <a:cs typeface="Arial" panose="020B0604020202020204" pitchFamily="34" charset="0"/>
               </a:rPr>
-              <a:t>ECM has higher priority over </a:t>
-            </a:r>
-            <a:r>
-              <a:rPr lang="en-US" altLang="ko-KR" dirty="0" smtClean="0">
-                <a:latin typeface="Arial" panose="020B0604020202020204" pitchFamily="34" charset="0"/>
-                <a:cs typeface="Arial" panose="020B0604020202020204" pitchFamily="34" charset="0"/>
-              </a:rPr>
-              <a:t>CCM</a:t>
+              <a:t>ECM has higher priority over CCM</a:t>
             </a:r>
             <a:endParaRPr lang="ko-KR" altLang="en-US" dirty="0" smtClean="0"/>
           </a:p>
@@ -12473,18 +12445,7 @@
                   <a:latin typeface="Arial" panose="020B0604020202020204" pitchFamily="34" charset="0"/>
                   <a:ea typeface="Arial" panose="020B0604020202020204" pitchFamily="34" charset="0"/>
                 </a:rPr>
-                <a:t>V-Local </a:t>
-              </a:r>
-              <a:r>
-                <a:rPr lang="en-US" sz="1200" b="1" dirty="0" smtClean="0">
-                  <a:solidFill>
-                    <a:srgbClr val="000000"/>
-                  </a:solidFill>
-                  <a:effectLst/>
-                  <a:latin typeface="Arial" panose="020B0604020202020204" pitchFamily="34" charset="0"/>
-                  <a:ea typeface="Arial" panose="020B0604020202020204" pitchFamily="34" charset="0"/>
-                </a:rPr>
-                <a:t>      Sensing</a:t>
+                <a:t>V-Local       Sensing</a:t>
               </a:r>
               <a:endParaRPr lang="en-US" sz="1100" dirty="0">
                 <a:solidFill>
@@ -13267,27 +13228,7 @@
                   <a:latin typeface="Times New Roman" panose="02020603050405020304" pitchFamily="18" charset="0"/>
                   <a:ea typeface="Arial" panose="020B0604020202020204" pitchFamily="34" charset="0"/>
                 </a:rPr>
-                <a:t> </a:t>
-              </a:r>
-              <a:r>
-                <a:rPr lang="en-US" sz="1400" dirty="0" smtClean="0">
-                  <a:solidFill>
-                    <a:srgbClr val="000000"/>
-                  </a:solidFill>
-                  <a:latin typeface="Times New Roman" panose="02020603050405020304" pitchFamily="18" charset="0"/>
-                  <a:ea typeface="Arial" panose="020B0604020202020204" pitchFamily="34" charset="0"/>
-                </a:rPr>
-                <a:t>veins</a:t>
-              </a:r>
-              <a:r>
-                <a:rPr lang="en-US" sz="1400" dirty="0" smtClean="0">
-                  <a:solidFill>
-                    <a:srgbClr val="000000"/>
-                  </a:solidFill>
-                  <a:latin typeface="Times New Roman" panose="02020603050405020304" pitchFamily="18" charset="0"/>
-                  <a:ea typeface="Arial" panose="020B0604020202020204" pitchFamily="34" charset="0"/>
-                </a:rPr>
-                <a:t>: </a:t>
+                <a:t> veins: </a:t>
               </a:r>
               <a:r>
                 <a:rPr lang="en-US" sz="1400" dirty="0" smtClean="0">
@@ -13298,18 +13239,7 @@
                   <a:latin typeface="Times New Roman" panose="02020603050405020304" pitchFamily="18" charset="0"/>
                   <a:ea typeface="Arial" panose="020B0604020202020204" pitchFamily="34" charset="0"/>
                 </a:rPr>
-                <a:t> </a:t>
-              </a:r>
-              <a:r>
-                <a:rPr lang="en-US" sz="1400" dirty="0" smtClean="0">
-                  <a:solidFill>
-                    <a:srgbClr val="000000"/>
-                  </a:solidFill>
-                  <a:effectLst/>
-                  <a:latin typeface="Times New Roman" panose="02020603050405020304" pitchFamily="18" charset="0"/>
-                  <a:ea typeface="Arial" panose="020B0604020202020204" pitchFamily="34" charset="0"/>
-                </a:rPr>
-                <a:t>(</a:t>
+                <a:t> (</a:t>
               </a:r>
               <a:r>
                 <a:rPr lang="en-US" sz="1400" dirty="0" err="1" smtClean="0">
